--- a/엄동연/2017스크립트중간발표_201880023엄동연.pptx
+++ b/엄동연/2017스크립트중간발표_201880023엄동연.pptx
@@ -20,16 +20,16 @@
   <p:notesSz cx="6858000" cy="9144000"/>
   <p:embeddedFontLst>
     <p:embeddedFont>
-      <p:font typeface="맑은 고딕" panose="020B0503020000020004" pitchFamily="50" charset="-127"/>
-      <p:regular r:id="rId12"/>
-      <p:bold r:id="rId13"/>
+      <p:font typeface="나눔명조 ExtraBold" panose="02020603020101020101" pitchFamily="18" charset="-127"/>
+      <p:bold r:id="rId12"/>
     </p:embeddedFont>
     <p:embeddedFont>
-      <p:font typeface="나눔명조 ExtraBold" panose="02020603020101020101" pitchFamily="18" charset="-127"/>
+      <p:font typeface="나눔명조" panose="02020603020101020101" pitchFamily="18" charset="-127"/>
+      <p:regular r:id="rId13"/>
       <p:bold r:id="rId14"/>
     </p:embeddedFont>
     <p:embeddedFont>
-      <p:font typeface="나눔명조" panose="02020603020101020101" pitchFamily="18" charset="-127"/>
+      <p:font typeface="맑은 고딕" panose="020B0503020000020004" pitchFamily="50" charset="-127"/>
       <p:regular r:id="rId15"/>
       <p:bold r:id="rId16"/>
     </p:embeddedFont>
@@ -135,6 +135,10 @@
     </p:ext>
   </p:extLst>
 </p:presentation>
+</file>
+
+<file path=ppt/revisionInfo.xml><?xml version="1.0" encoding="utf-8"?>
+<p1510:revInfo xmlns:a="http://schemas.openxmlformats.org/drawingml/2006/main" xmlns:r="http://schemas.openxmlformats.org/officeDocument/2006/relationships" xmlns:p1510="http://schemas.microsoft.com/office/powerpoint/2015/10/main"/>
 </file>
 
 <file path=ppt/slideLayouts/slideLayout1.xml><?xml version="1.0" encoding="utf-8"?>
@@ -3880,7 +3884,7 @@
     <mc:Choice Requires="p14">
       <p:transition/>
     </mc:Choice>
-    <mc:Fallback xmlns="" xmlns:c="http://schemas.openxmlformats.org/drawingml/2006/chart" xmlns:dgm="http://schemas.openxmlformats.org/drawingml/2006/diagram" xmlns:dsp="http://schemas.microsoft.com/office/drawing/2008/diagram">
+    <mc:Fallback xmlns:dsp="http://schemas.microsoft.com/office/drawing/2008/diagram" xmlns:dgm="http://schemas.openxmlformats.org/drawingml/2006/diagram" xmlns:c="http://schemas.openxmlformats.org/drawingml/2006/chart" xmlns="">
       <p:transition/>
     </mc:Fallback>
   </mc:AlternateContent>
@@ -4286,7 +4290,7 @@
     <mc:Choice Requires="p14">
       <p:transition/>
     </mc:Choice>
-    <mc:Fallback xmlns="" xmlns:c="http://schemas.openxmlformats.org/drawingml/2006/chart" xmlns:dgm="http://schemas.openxmlformats.org/drawingml/2006/diagram" xmlns:dsp="http://schemas.microsoft.com/office/drawing/2008/diagram">
+    <mc:Fallback xmlns:dsp="http://schemas.microsoft.com/office/drawing/2008/diagram" xmlns:dgm="http://schemas.openxmlformats.org/drawingml/2006/diagram" xmlns:c="http://schemas.openxmlformats.org/drawingml/2006/chart" xmlns="">
       <p:transition/>
     </mc:Fallback>
   </mc:AlternateContent>
@@ -4503,6 +4507,55 @@
           </a:prstGeom>
         </p:spPr>
       </p:pic>
+      <p:sp>
+        <p:nvSpPr>
+          <p:cNvPr id="3" name="직사각형 2"/>
+          <p:cNvSpPr/>
+          <p:nvPr/>
+        </p:nvSpPr>
+        <p:spPr>
+          <a:xfrm>
+            <a:off x="6566517" y="4145872"/>
+            <a:ext cx="3349840" cy="2068497"/>
+          </a:xfrm>
+          <a:prstGeom prst="rect">
+            <a:avLst/>
+          </a:prstGeom>
+          <a:noFill/>
+          <a:ln w="38100">
+            <a:solidFill>
+              <a:srgbClr val="FF0000">
+                <a:alpha val="56863"/>
+              </a:srgbClr>
+            </a:solidFill>
+            <a:prstDash val="sysDot"/>
+          </a:ln>
+        </p:spPr>
+        <p:style>
+          <a:lnRef idx="2">
+            <a:schemeClr val="accent1">
+              <a:shade val="50000"/>
+            </a:schemeClr>
+          </a:lnRef>
+          <a:fillRef idx="1">
+            <a:schemeClr val="accent1"/>
+          </a:fillRef>
+          <a:effectRef idx="0">
+            <a:schemeClr val="accent1"/>
+          </a:effectRef>
+          <a:fontRef idx="minor">
+            <a:schemeClr val="lt1"/>
+          </a:fontRef>
+        </p:style>
+        <p:txBody>
+          <a:bodyPr rtlCol="0" anchor="ctr"/>
+          <a:lstStyle/>
+          <a:p>
+            <a:pPr algn="ctr"/>
+            <a:endParaRPr lang="ko-KR" altLang="en-US"/>
+          </a:p>
+        </p:txBody>
+      </p:sp>
     </p:spTree>
     <p:extLst>
       <p:ext uri="{BB962C8B-B14F-4D97-AF65-F5344CB8AC3E}">
@@ -4517,7 +4570,7 @@
     <mc:Choice Requires="p14">
       <p:transition/>
     </mc:Choice>
-    <mc:Fallback xmlns="" xmlns:c="http://schemas.openxmlformats.org/drawingml/2006/chart" xmlns:dgm="http://schemas.openxmlformats.org/drawingml/2006/diagram" xmlns:dsp="http://schemas.microsoft.com/office/drawing/2008/diagram">
+    <mc:Fallback xmlns:dsp="http://schemas.microsoft.com/office/drawing/2008/diagram" xmlns:dgm="http://schemas.openxmlformats.org/drawingml/2006/diagram" xmlns:c="http://schemas.openxmlformats.org/drawingml/2006/chart" xmlns="">
       <p:transition/>
     </mc:Fallback>
   </mc:AlternateContent>
@@ -4745,6 +4798,55 @@
           </a:p>
         </p:txBody>
       </p:sp>
+      <p:sp>
+        <p:nvSpPr>
+          <p:cNvPr id="9" name="직사각형 8"/>
+          <p:cNvSpPr/>
+          <p:nvPr/>
+        </p:nvSpPr>
+        <p:spPr>
+          <a:xfrm>
+            <a:off x="5873284" y="1349101"/>
+            <a:ext cx="5321457" cy="5292421"/>
+          </a:xfrm>
+          <a:prstGeom prst="rect">
+            <a:avLst/>
+          </a:prstGeom>
+          <a:noFill/>
+          <a:ln w="38100">
+            <a:solidFill>
+              <a:srgbClr val="FF0000">
+                <a:alpha val="56863"/>
+              </a:srgbClr>
+            </a:solidFill>
+            <a:prstDash val="sysDot"/>
+          </a:ln>
+        </p:spPr>
+        <p:style>
+          <a:lnRef idx="2">
+            <a:schemeClr val="accent1">
+              <a:shade val="50000"/>
+            </a:schemeClr>
+          </a:lnRef>
+          <a:fillRef idx="1">
+            <a:schemeClr val="accent1"/>
+          </a:fillRef>
+          <a:effectRef idx="0">
+            <a:schemeClr val="accent1"/>
+          </a:effectRef>
+          <a:fontRef idx="minor">
+            <a:schemeClr val="lt1"/>
+          </a:fontRef>
+        </p:style>
+        <p:txBody>
+          <a:bodyPr rtlCol="0" anchor="ctr"/>
+          <a:lstStyle/>
+          <a:p>
+            <a:pPr algn="ctr"/>
+            <a:endParaRPr lang="ko-KR" altLang="en-US"/>
+          </a:p>
+        </p:txBody>
+      </p:sp>
     </p:spTree>
     <p:extLst>
       <p:ext uri="{BB962C8B-B14F-4D97-AF65-F5344CB8AC3E}">
@@ -4759,7 +4861,7 @@
     <mc:Choice Requires="p14">
       <p:transition/>
     </mc:Choice>
-    <mc:Fallback xmlns="" xmlns:c="http://schemas.openxmlformats.org/drawingml/2006/chart" xmlns:dgm="http://schemas.openxmlformats.org/drawingml/2006/diagram" xmlns:dsp="http://schemas.microsoft.com/office/drawing/2008/diagram">
+    <mc:Fallback xmlns:dsp="http://schemas.microsoft.com/office/drawing/2008/diagram" xmlns:dgm="http://schemas.openxmlformats.org/drawingml/2006/diagram" xmlns:c="http://schemas.openxmlformats.org/drawingml/2006/chart" xmlns="">
       <p:transition/>
     </mc:Fallback>
   </mc:AlternateContent>
@@ -5001,7 +5103,7 @@
     <mc:Choice Requires="p14">
       <p:transition/>
     </mc:Choice>
-    <mc:Fallback xmlns="" xmlns:c="http://schemas.openxmlformats.org/drawingml/2006/chart" xmlns:dgm="http://schemas.openxmlformats.org/drawingml/2006/diagram" xmlns:dsp="http://schemas.microsoft.com/office/drawing/2008/diagram">
+    <mc:Fallback xmlns:dsp="http://schemas.microsoft.com/office/drawing/2008/diagram" xmlns:dgm="http://schemas.openxmlformats.org/drawingml/2006/diagram" xmlns:c="http://schemas.openxmlformats.org/drawingml/2006/chart" xmlns="">
       <p:transition/>
     </mc:Fallback>
   </mc:AlternateContent>
@@ -5229,6 +5331,94 @@
           </a:p>
         </p:txBody>
       </p:sp>
+      <p:sp>
+        <p:nvSpPr>
+          <p:cNvPr id="9" name="직사각형 8"/>
+          <p:cNvSpPr/>
+          <p:nvPr/>
+        </p:nvSpPr>
+        <p:spPr>
+          <a:xfrm>
+            <a:off x="1180730" y="4280647"/>
+            <a:ext cx="3710866" cy="246965"/>
+          </a:xfrm>
+          <a:prstGeom prst="rect">
+            <a:avLst/>
+          </a:prstGeom>
+          <a:noFill/>
+          <a:ln w="38100">
+            <a:solidFill>
+              <a:srgbClr val="FF0000">
+                <a:alpha val="56863"/>
+              </a:srgbClr>
+            </a:solidFill>
+            <a:prstDash val="sysDot"/>
+          </a:ln>
+        </p:spPr>
+        <p:style>
+          <a:lnRef idx="2">
+            <a:schemeClr val="accent1">
+              <a:shade val="50000"/>
+            </a:schemeClr>
+          </a:lnRef>
+          <a:fillRef idx="1">
+            <a:schemeClr val="accent1"/>
+          </a:fillRef>
+          <a:effectRef idx="0">
+            <a:schemeClr val="accent1"/>
+          </a:effectRef>
+          <a:fontRef idx="minor">
+            <a:schemeClr val="lt1"/>
+          </a:fontRef>
+        </p:style>
+        <p:txBody>
+          <a:bodyPr rtlCol="0" anchor="ctr"/>
+          <a:lstStyle/>
+          <a:p>
+            <a:pPr algn="ctr"/>
+            <a:endParaRPr lang="ko-KR" altLang="en-US"/>
+          </a:p>
+        </p:txBody>
+      </p:sp>
+      <p:cxnSp>
+        <p:nvCxnSpPr>
+          <p:cNvPr id="14" name="직선 화살표 연결선 13"/>
+          <p:cNvCxnSpPr>
+            <a:stCxn id="9" idx="0"/>
+          </p:cNvCxnSpPr>
+          <p:nvPr/>
+        </p:nvCxnSpPr>
+        <p:spPr>
+          <a:xfrm flipV="1">
+            <a:off x="3036163" y="2974019"/>
+            <a:ext cx="3647062" cy="1306628"/>
+          </a:xfrm>
+          <a:prstGeom prst="straightConnector1">
+            <a:avLst/>
+          </a:prstGeom>
+          <a:ln>
+            <a:solidFill>
+              <a:srgbClr val="FF0000"/>
+            </a:solidFill>
+            <a:headEnd type="none" w="med" len="med"/>
+            <a:tailEnd type="triangle" w="med" len="med"/>
+          </a:ln>
+        </p:spPr>
+        <p:style>
+          <a:lnRef idx="1">
+            <a:schemeClr val="accent1"/>
+          </a:lnRef>
+          <a:fillRef idx="0">
+            <a:schemeClr val="accent1"/>
+          </a:fillRef>
+          <a:effectRef idx="0">
+            <a:schemeClr val="accent1"/>
+          </a:effectRef>
+          <a:fontRef idx="minor">
+            <a:schemeClr val="tx1"/>
+          </a:fontRef>
+        </p:style>
+      </p:cxnSp>
     </p:spTree>
     <p:extLst>
       <p:ext uri="{BB962C8B-B14F-4D97-AF65-F5344CB8AC3E}">
@@ -5243,7 +5433,7 @@
     <mc:Choice Requires="p14">
       <p:transition/>
     </mc:Choice>
-    <mc:Fallback xmlns="" xmlns:c="http://schemas.openxmlformats.org/drawingml/2006/chart" xmlns:dgm="http://schemas.openxmlformats.org/drawingml/2006/diagram" xmlns:dsp="http://schemas.microsoft.com/office/drawing/2008/diagram">
+    <mc:Fallback xmlns:dsp="http://schemas.microsoft.com/office/drawing/2008/diagram" xmlns:dgm="http://schemas.openxmlformats.org/drawingml/2006/diagram" xmlns:c="http://schemas.openxmlformats.org/drawingml/2006/chart" xmlns="">
       <p:transition/>
     </mc:Fallback>
   </mc:AlternateContent>
@@ -7047,7 +7237,7 @@
     <mc:Choice Requires="p14">
       <p:transition/>
     </mc:Choice>
-    <mc:Fallback xmlns="" xmlns:c="http://schemas.openxmlformats.org/drawingml/2006/chart" xmlns:dgm="http://schemas.openxmlformats.org/drawingml/2006/diagram" xmlns:dsp="http://schemas.microsoft.com/office/drawing/2008/diagram">
+    <mc:Fallback xmlns:dsp="http://schemas.microsoft.com/office/drawing/2008/diagram" xmlns:dgm="http://schemas.openxmlformats.org/drawingml/2006/diagram" xmlns:c="http://schemas.openxmlformats.org/drawingml/2006/chart" xmlns="">
       <p:transition/>
     </mc:Fallback>
   </mc:AlternateContent>
@@ -7134,7 +7324,7 @@
         <p:spPr>
           <a:xfrm>
             <a:off x="142042" y="452458"/>
-            <a:ext cx="1159292" cy="400110"/>
+            <a:ext cx="1236236" cy="400110"/>
           </a:xfrm>
           <a:prstGeom prst="rect">
             <a:avLst/>
@@ -7162,19 +7352,22 @@
                 <a:ea typeface="나눔명조 ExtraBold"/>
                 <a:cs typeface="Adobe Arabic"/>
               </a:rPr>
-              <a:t>커밋현황</a:t>
-            </a:r>
-            <a:endParaRPr lang="ko-KR" altLang="en-US" sz="2000" b="1" dirty="0">
-              <a:solidFill>
-                <a:schemeClr val="tx1">
-                  <a:lumMod val="85000"/>
-                  <a:lumOff val="15000"/>
-                </a:schemeClr>
-              </a:solidFill>
-              <a:latin typeface="나눔명조 ExtraBold"/>
-              <a:ea typeface="나눔명조 ExtraBold"/>
-              <a:cs typeface="Adobe Arabic"/>
-            </a:endParaRPr>
+              <a:t>커밋</a:t>
+            </a:r>
+            <a:r>
+              <a:rPr lang="ko-KR" altLang="en-US" sz="2000" b="1" dirty="0">
+                <a:solidFill>
+                  <a:schemeClr val="tx1">
+                    <a:lumMod val="85000"/>
+                    <a:lumOff val="15000"/>
+                  </a:schemeClr>
+                </a:solidFill>
+                <a:latin typeface="나눔명조 ExtraBold"/>
+                <a:ea typeface="나눔명조 ExtraBold"/>
+                <a:cs typeface="Adobe Arabic"/>
+              </a:rPr>
+              <a:t> 현황</a:t>
+            </a:r>
           </a:p>
         </p:txBody>
       </p:sp>
@@ -7216,7 +7409,7 @@
     <mc:Choice Requires="p14">
       <p:transition/>
     </mc:Choice>
-    <mc:Fallback xmlns="" xmlns:c="http://schemas.openxmlformats.org/drawingml/2006/chart" xmlns:dgm="http://schemas.openxmlformats.org/drawingml/2006/diagram" xmlns:dsp="http://schemas.microsoft.com/office/drawing/2008/diagram">
+    <mc:Fallback xmlns:dsp="http://schemas.microsoft.com/office/drawing/2008/diagram" xmlns:dgm="http://schemas.openxmlformats.org/drawingml/2006/diagram" xmlns:c="http://schemas.openxmlformats.org/drawingml/2006/chart" xmlns="">
       <p:transition/>
     </mc:Fallback>
   </mc:AlternateContent>
